--- a/Design_.pptx
+++ b/Design_.pptx
@@ -104,6 +104,11 @@
       </a:defRPr>
     </a:lvl9pPr>
   </p:defaultTextStyle>
+  <p:extLst>
+    <p:ext uri="{EFAFB233-063F-42B5-8137-9DF3F51BA10A}">
+      <p15:sldGuideLst xmlns:p15="http://schemas.microsoft.com/office/powerpoint/2012/main"/>
+    </p:ext>
+  </p:extLst>
 </p:presentation>
 </file>
 
@@ -152,7 +157,6 @@
               <a:rPr lang="en-US"/>
               <a:t>Click to edit Master title style</a:t>
             </a:r>
-            <a:endParaRPr lang="en-US"/>
           </a:p>
         </p:txBody>
       </p:sp>
@@ -217,7 +221,6 @@
               <a:rPr lang="en-US"/>
               <a:t>Click to edit Master subtitle style</a:t>
             </a:r>
-            <a:endParaRPr lang="en-US"/>
           </a:p>
         </p:txBody>
       </p:sp>
@@ -238,7 +241,7 @@
           <a:p>
             <a:fld id="{E354AE75-E961-4276-8F3F-EB9D307972E5}" type="datetimeFigureOut">
               <a:rPr lang="en-US" smtClean="0"/>
-              <a:t>3/16/2016</a:t>
+              <a:t>3/23/2016</a:t>
             </a:fld>
             <a:endParaRPr lang="en-US"/>
           </a:p>
@@ -335,7 +338,6 @@
               <a:rPr lang="en-US"/>
               <a:t>Click to edit Master title style</a:t>
             </a:r>
-            <a:endParaRPr lang="en-US"/>
           </a:p>
         </p:txBody>
       </p:sp>
@@ -387,7 +389,6 @@
               <a:rPr lang="en-US"/>
               <a:t>Fifth level</a:t>
             </a:r>
-            <a:endParaRPr lang="en-US"/>
           </a:p>
         </p:txBody>
       </p:sp>
@@ -408,7 +409,7 @@
           <a:p>
             <a:fld id="{E354AE75-E961-4276-8F3F-EB9D307972E5}" type="datetimeFigureOut">
               <a:rPr lang="en-US" smtClean="0"/>
-              <a:t>3/16/2016</a:t>
+              <a:t>3/23/2016</a:t>
             </a:fld>
             <a:endParaRPr lang="en-US"/>
           </a:p>
@@ -510,7 +511,6 @@
               <a:rPr lang="en-US"/>
               <a:t>Click to edit Master title style</a:t>
             </a:r>
-            <a:endParaRPr lang="en-US"/>
           </a:p>
         </p:txBody>
       </p:sp>
@@ -567,7 +567,6 @@
               <a:rPr lang="en-US"/>
               <a:t>Fifth level</a:t>
             </a:r>
-            <a:endParaRPr lang="en-US"/>
           </a:p>
         </p:txBody>
       </p:sp>
@@ -588,7 +587,7 @@
           <a:p>
             <a:fld id="{E354AE75-E961-4276-8F3F-EB9D307972E5}" type="datetimeFigureOut">
               <a:rPr lang="en-US" smtClean="0"/>
-              <a:t>3/16/2016</a:t>
+              <a:t>3/23/2016</a:t>
             </a:fld>
             <a:endParaRPr lang="en-US"/>
           </a:p>
@@ -685,7 +684,6 @@
               <a:rPr lang="en-US"/>
               <a:t>Click to edit Master title style</a:t>
             </a:r>
-            <a:endParaRPr lang="en-US"/>
           </a:p>
         </p:txBody>
       </p:sp>
@@ -737,7 +735,6 @@
               <a:rPr lang="en-US"/>
               <a:t>Fifth level</a:t>
             </a:r>
-            <a:endParaRPr lang="en-US"/>
           </a:p>
         </p:txBody>
       </p:sp>
@@ -758,7 +755,7 @@
           <a:p>
             <a:fld id="{E354AE75-E961-4276-8F3F-EB9D307972E5}" type="datetimeFigureOut">
               <a:rPr lang="en-US" smtClean="0"/>
-              <a:t>3/16/2016</a:t>
+              <a:t>3/23/2016</a:t>
             </a:fld>
             <a:endParaRPr lang="en-US"/>
           </a:p>
@@ -864,7 +861,6 @@
               <a:rPr lang="en-US"/>
               <a:t>Click to edit Master title style</a:t>
             </a:r>
-            <a:endParaRPr lang="en-US"/>
           </a:p>
         </p:txBody>
       </p:sp>
@@ -1004,7 +1000,7 @@
           <a:p>
             <a:fld id="{E354AE75-E961-4276-8F3F-EB9D307972E5}" type="datetimeFigureOut">
               <a:rPr lang="en-US" smtClean="0"/>
-              <a:t>3/16/2016</a:t>
+              <a:t>3/23/2016</a:t>
             </a:fld>
             <a:endParaRPr lang="en-US"/>
           </a:p>
@@ -1101,7 +1097,6 @@
               <a:rPr lang="en-US"/>
               <a:t>Click to edit Master title style</a:t>
             </a:r>
-            <a:endParaRPr lang="en-US"/>
           </a:p>
         </p:txBody>
       </p:sp>
@@ -1158,7 +1153,6 @@
               <a:rPr lang="en-US"/>
               <a:t>Fifth level</a:t>
             </a:r>
-            <a:endParaRPr lang="en-US"/>
           </a:p>
         </p:txBody>
       </p:sp>
@@ -1215,7 +1209,6 @@
               <a:rPr lang="en-US"/>
               <a:t>Fifth level</a:t>
             </a:r>
-            <a:endParaRPr lang="en-US"/>
           </a:p>
         </p:txBody>
       </p:sp>
@@ -1236,7 +1229,7 @@
           <a:p>
             <a:fld id="{E354AE75-E961-4276-8F3F-EB9D307972E5}" type="datetimeFigureOut">
               <a:rPr lang="en-US" smtClean="0"/>
-              <a:t>3/16/2016</a:t>
+              <a:t>3/23/2016</a:t>
             </a:fld>
             <a:endParaRPr lang="en-US"/>
           </a:p>
@@ -1338,7 +1331,6 @@
               <a:rPr lang="en-US"/>
               <a:t>Click to edit Master title style</a:t>
             </a:r>
-            <a:endParaRPr lang="en-US"/>
           </a:p>
         </p:txBody>
       </p:sp>
@@ -1460,7 +1452,6 @@
               <a:rPr lang="en-US"/>
               <a:t>Fifth level</a:t>
             </a:r>
-            <a:endParaRPr lang="en-US"/>
           </a:p>
         </p:txBody>
       </p:sp>
@@ -1582,7 +1573,6 @@
               <a:rPr lang="en-US"/>
               <a:t>Fifth level</a:t>
             </a:r>
-            <a:endParaRPr lang="en-US"/>
           </a:p>
         </p:txBody>
       </p:sp>
@@ -1603,7 +1593,7 @@
           <a:p>
             <a:fld id="{E354AE75-E961-4276-8F3F-EB9D307972E5}" type="datetimeFigureOut">
               <a:rPr lang="en-US" smtClean="0"/>
-              <a:t>3/16/2016</a:t>
+              <a:t>3/23/2016</a:t>
             </a:fld>
             <a:endParaRPr lang="en-US"/>
           </a:p>
@@ -1700,7 +1690,6 @@
               <a:rPr lang="en-US"/>
               <a:t>Click to edit Master title style</a:t>
             </a:r>
-            <a:endParaRPr lang="en-US"/>
           </a:p>
         </p:txBody>
       </p:sp>
@@ -1721,7 +1710,7 @@
           <a:p>
             <a:fld id="{E354AE75-E961-4276-8F3F-EB9D307972E5}" type="datetimeFigureOut">
               <a:rPr lang="en-US" smtClean="0"/>
-              <a:t>3/16/2016</a:t>
+              <a:t>3/23/2016</a:t>
             </a:fld>
             <a:endParaRPr lang="en-US"/>
           </a:p>
@@ -1816,7 +1805,7 @@
           <a:p>
             <a:fld id="{E354AE75-E961-4276-8F3F-EB9D307972E5}" type="datetimeFigureOut">
               <a:rPr lang="en-US" smtClean="0"/>
-              <a:t>3/16/2016</a:t>
+              <a:t>3/23/2016</a:t>
             </a:fld>
             <a:endParaRPr lang="en-US"/>
           </a:p>
@@ -1922,7 +1911,6 @@
               <a:rPr lang="en-US"/>
               <a:t>Click to edit Master title style</a:t>
             </a:r>
-            <a:endParaRPr lang="en-US"/>
           </a:p>
         </p:txBody>
       </p:sp>
@@ -2007,7 +1995,6 @@
               <a:rPr lang="en-US"/>
               <a:t>Fifth level</a:t>
             </a:r>
-            <a:endParaRPr lang="en-US"/>
           </a:p>
         </p:txBody>
       </p:sp>
@@ -2093,7 +2080,7 @@
           <a:p>
             <a:fld id="{E354AE75-E961-4276-8F3F-EB9D307972E5}" type="datetimeFigureOut">
               <a:rPr lang="en-US" smtClean="0"/>
-              <a:t>3/16/2016</a:t>
+              <a:t>3/23/2016</a:t>
             </a:fld>
             <a:endParaRPr lang="en-US"/>
           </a:p>
@@ -2199,7 +2186,6 @@
               <a:rPr lang="en-US"/>
               <a:t>Click to edit Master title style</a:t>
             </a:r>
-            <a:endParaRPr lang="en-US"/>
           </a:p>
         </p:txBody>
       </p:sp>
@@ -2346,7 +2332,7 @@
           <a:p>
             <a:fld id="{E354AE75-E961-4276-8F3F-EB9D307972E5}" type="datetimeFigureOut">
               <a:rPr lang="en-US" smtClean="0"/>
-              <a:t>3/16/2016</a:t>
+              <a:t>3/23/2016</a:t>
             </a:fld>
             <a:endParaRPr lang="en-US"/>
           </a:p>
@@ -2458,7 +2444,6 @@
               <a:rPr lang="en-US"/>
               <a:t>Click to edit Master title style</a:t>
             </a:r>
-            <a:endParaRPr lang="en-US"/>
           </a:p>
         </p:txBody>
       </p:sp>
@@ -2520,7 +2505,6 @@
               <a:rPr lang="en-US"/>
               <a:t>Fifth level</a:t>
             </a:r>
-            <a:endParaRPr lang="en-US"/>
           </a:p>
         </p:txBody>
       </p:sp>
@@ -2559,7 +2543,7 @@
           <a:p>
             <a:fld id="{E354AE75-E961-4276-8F3F-EB9D307972E5}" type="datetimeFigureOut">
               <a:rPr lang="en-US" smtClean="0"/>
-              <a:t>3/16/2016</a:t>
+              <a:t>3/23/2016</a:t>
             </a:fld>
             <a:endParaRPr lang="en-US"/>
           </a:p>
@@ -3772,6 +3756,434 @@
           </a:p>
         </p:txBody>
       </p:sp>
+      <p:sp>
+        <p:nvSpPr>
+          <p:cNvPr id="2" name="TextBox 1"/>
+          <p:cNvSpPr txBox="1"/>
+          <p:nvPr/>
+        </p:nvSpPr>
+        <p:spPr>
+          <a:xfrm>
+            <a:off x="10945392" y="5282720"/>
+            <a:ext cx="1700658" cy="646331"/>
+          </a:xfrm>
+          <a:prstGeom prst="rect">
+            <a:avLst/>
+          </a:prstGeom>
+          <a:noFill/>
+        </p:spPr>
+        <p:txBody>
+          <a:bodyPr wrap="none" rtlCol="0">
+            <a:spAutoFit/>
+          </a:bodyPr>
+          <a:lstStyle/>
+          <a:p>
+            <a:r>
+              <a:rPr lang="en-US" dirty="0"/>
+              <a:t>Clients</a:t>
+            </a:r>
+          </a:p>
+          <a:p>
+            <a:r>
+              <a:rPr lang="en-US" dirty="0"/>
+              <a:t>(ex) Just Dial </a:t>
+            </a:r>
+            <a:r>
+              <a:rPr lang="en-US" dirty="0" err="1"/>
+              <a:t>etc</a:t>
+            </a:r>
+            <a:endParaRPr lang="en-US" dirty="0"/>
+          </a:p>
+        </p:txBody>
+      </p:sp>
+      <p:cxnSp>
+        <p:nvCxnSpPr>
+          <p:cNvPr id="5" name="Straight Connector 4"/>
+          <p:cNvCxnSpPr/>
+          <p:nvPr/>
+        </p:nvCxnSpPr>
+        <p:spPr>
+          <a:xfrm>
+            <a:off x="10432681" y="5467386"/>
+            <a:ext cx="546560" cy="0"/>
+          </a:xfrm>
+          <a:prstGeom prst="line">
+            <a:avLst/>
+          </a:prstGeom>
+        </p:spPr>
+        <p:style>
+          <a:lnRef idx="1">
+            <a:schemeClr val="accent1"/>
+          </a:lnRef>
+          <a:fillRef idx="0">
+            <a:schemeClr val="accent1"/>
+          </a:fillRef>
+          <a:effectRef idx="0">
+            <a:schemeClr val="accent1"/>
+          </a:effectRef>
+          <a:fontRef idx="minor">
+            <a:schemeClr val="tx1"/>
+          </a:fontRef>
+        </p:style>
+      </p:cxnSp>
+      <p:sp>
+        <p:nvSpPr>
+          <p:cNvPr id="7" name="TextBox 6"/>
+          <p:cNvSpPr txBox="1"/>
+          <p:nvPr/>
+        </p:nvSpPr>
+        <p:spPr>
+          <a:xfrm>
+            <a:off x="11290938" y="1223380"/>
+            <a:ext cx="2108847" cy="923330"/>
+          </a:xfrm>
+          <a:prstGeom prst="rect">
+            <a:avLst/>
+          </a:prstGeom>
+          <a:noFill/>
+        </p:spPr>
+        <p:txBody>
+          <a:bodyPr wrap="none" rtlCol="0">
+            <a:spAutoFit/>
+          </a:bodyPr>
+          <a:lstStyle/>
+          <a:p>
+            <a:r>
+              <a:rPr lang="en-US" dirty="0"/>
+              <a:t>Customers</a:t>
+            </a:r>
+          </a:p>
+          <a:p>
+            <a:r>
+              <a:rPr lang="en-US" dirty="0"/>
+              <a:t>(ex) Saloon Owners, </a:t>
+            </a:r>
+          </a:p>
+          <a:p>
+            <a:r>
+              <a:rPr lang="en-US" dirty="0"/>
+              <a:t>Dentist</a:t>
+            </a:r>
+          </a:p>
+        </p:txBody>
+      </p:sp>
+      <p:cxnSp>
+        <p:nvCxnSpPr>
+          <p:cNvPr id="15" name="Straight Connector 14"/>
+          <p:cNvCxnSpPr>
+            <a:stCxn id="6" idx="3"/>
+            <a:endCxn id="7" idx="1"/>
+          </p:cNvCxnSpPr>
+          <p:nvPr/>
+        </p:nvCxnSpPr>
+        <p:spPr>
+          <a:xfrm>
+            <a:off x="10131287" y="1408046"/>
+            <a:ext cx="1159651" cy="276999"/>
+          </a:xfrm>
+          <a:prstGeom prst="line">
+            <a:avLst/>
+          </a:prstGeom>
+        </p:spPr>
+        <p:style>
+          <a:lnRef idx="1">
+            <a:schemeClr val="accent1"/>
+          </a:lnRef>
+          <a:fillRef idx="0">
+            <a:schemeClr val="accent1"/>
+          </a:fillRef>
+          <a:effectRef idx="0">
+            <a:schemeClr val="accent1"/>
+          </a:effectRef>
+          <a:fontRef idx="minor">
+            <a:schemeClr val="tx1"/>
+          </a:fontRef>
+        </p:style>
+      </p:cxnSp>
+      <p:pic>
+        <p:nvPicPr>
+          <p:cNvPr id="22" name="Picture 21"/>
+          <p:cNvPicPr>
+            <a:picLocks noChangeAspect="1"/>
+          </p:cNvPicPr>
+          <p:nvPr/>
+        </p:nvPicPr>
+        <p:blipFill>
+          <a:blip r:embed="rId2"/>
+          <a:stretch>
+            <a:fillRect/>
+          </a:stretch>
+        </p:blipFill>
+        <p:spPr>
+          <a:xfrm>
+            <a:off x="6145643" y="8487369"/>
+            <a:ext cx="698211" cy="911949"/>
+          </a:xfrm>
+          <a:prstGeom prst="rect">
+            <a:avLst/>
+          </a:prstGeom>
+        </p:spPr>
+      </p:pic>
+      <p:sp>
+        <p:nvSpPr>
+          <p:cNvPr id="31" name="TextBox 30"/>
+          <p:cNvSpPr txBox="1"/>
+          <p:nvPr/>
+        </p:nvSpPr>
+        <p:spPr>
+          <a:xfrm>
+            <a:off x="5441050" y="9496156"/>
+            <a:ext cx="2122441" cy="923330"/>
+          </a:xfrm>
+          <a:prstGeom prst="rect">
+            <a:avLst/>
+          </a:prstGeom>
+          <a:noFill/>
+        </p:spPr>
+        <p:txBody>
+          <a:bodyPr wrap="none" rtlCol="0">
+            <a:spAutoFit/>
+          </a:bodyPr>
+          <a:lstStyle/>
+          <a:p>
+            <a:pPr algn="ctr"/>
+            <a:r>
+              <a:rPr lang="en-US" dirty="0"/>
+              <a:t>Users</a:t>
+            </a:r>
+          </a:p>
+          <a:p>
+            <a:r>
+              <a:rPr lang="en-US" dirty="0"/>
+              <a:t>(ex) Common public </a:t>
+            </a:r>
+          </a:p>
+          <a:p>
+            <a:r>
+              <a:rPr lang="en-US" dirty="0"/>
+              <a:t>Using app</a:t>
+            </a:r>
+          </a:p>
+        </p:txBody>
+      </p:sp>
+      <p:sp>
+        <p:nvSpPr>
+          <p:cNvPr id="3" name="TextBox 2"/>
+          <p:cNvSpPr txBox="1"/>
+          <p:nvPr/>
+        </p:nvSpPr>
+        <p:spPr>
+          <a:xfrm>
+            <a:off x="11303616" y="3916558"/>
+            <a:ext cx="1776768" cy="369332"/>
+          </a:xfrm>
+          <a:prstGeom prst="rect">
+            <a:avLst/>
+          </a:prstGeom>
+          <a:noFill/>
+        </p:spPr>
+        <p:txBody>
+          <a:bodyPr wrap="none" rtlCol="0">
+            <a:spAutoFit/>
+          </a:bodyPr>
+          <a:lstStyle/>
+          <a:p>
+            <a:r>
+              <a:rPr lang="en-US" dirty="0"/>
+              <a:t>Digest </a:t>
+            </a:r>
+            <a:r>
+              <a:rPr lang="en-US" dirty="0" err="1"/>
+              <a:t>Auth</a:t>
+            </a:r>
+            <a:r>
+              <a:rPr lang="en-US" dirty="0"/>
+              <a:t> (API)</a:t>
+            </a:r>
+          </a:p>
+        </p:txBody>
+      </p:sp>
+      <p:cxnSp>
+        <p:nvCxnSpPr>
+          <p:cNvPr id="19" name="Straight Connector 18"/>
+          <p:cNvCxnSpPr>
+            <a:stCxn id="38" idx="3"/>
+            <a:endCxn id="3" idx="1"/>
+          </p:cNvCxnSpPr>
+          <p:nvPr/>
+        </p:nvCxnSpPr>
+        <p:spPr>
+          <a:xfrm flipV="1">
+            <a:off x="10015235" y="4101224"/>
+            <a:ext cx="1288381" cy="324"/>
+          </a:xfrm>
+          <a:prstGeom prst="line">
+            <a:avLst/>
+          </a:prstGeom>
+        </p:spPr>
+        <p:style>
+          <a:lnRef idx="1">
+            <a:schemeClr val="accent1"/>
+          </a:lnRef>
+          <a:fillRef idx="0">
+            <a:schemeClr val="accent1"/>
+          </a:fillRef>
+          <a:effectRef idx="0">
+            <a:schemeClr val="accent1"/>
+          </a:effectRef>
+          <a:fontRef idx="minor">
+            <a:schemeClr val="tx1"/>
+          </a:fontRef>
+        </p:style>
+      </p:cxnSp>
+      <p:sp>
+        <p:nvSpPr>
+          <p:cNvPr id="34" name="TextBox 33"/>
+          <p:cNvSpPr txBox="1"/>
+          <p:nvPr/>
+        </p:nvSpPr>
+        <p:spPr>
+          <a:xfrm>
+            <a:off x="2192732" y="6803408"/>
+            <a:ext cx="623889" cy="369332"/>
+          </a:xfrm>
+          <a:prstGeom prst="rect">
+            <a:avLst/>
+          </a:prstGeom>
+          <a:noFill/>
+        </p:spPr>
+        <p:txBody>
+          <a:bodyPr wrap="none" rtlCol="0">
+            <a:spAutoFit/>
+          </a:bodyPr>
+          <a:lstStyle/>
+          <a:p>
+            <a:r>
+              <a:rPr lang="en-US" dirty="0"/>
+              <a:t>W30</a:t>
+            </a:r>
+          </a:p>
+        </p:txBody>
+      </p:sp>
+      <p:sp>
+        <p:nvSpPr>
+          <p:cNvPr id="37" name="TextBox 36"/>
+          <p:cNvSpPr txBox="1"/>
+          <p:nvPr/>
+        </p:nvSpPr>
+        <p:spPr>
+          <a:xfrm>
+            <a:off x="9430603" y="6810650"/>
+            <a:ext cx="635110" cy="369332"/>
+          </a:xfrm>
+          <a:prstGeom prst="rect">
+            <a:avLst/>
+          </a:prstGeom>
+          <a:noFill/>
+        </p:spPr>
+        <p:txBody>
+          <a:bodyPr wrap="none" rtlCol="0">
+            <a:spAutoFit/>
+          </a:bodyPr>
+          <a:lstStyle/>
+          <a:p>
+            <a:r>
+              <a:rPr lang="en-US" dirty="0"/>
+              <a:t>JD30</a:t>
+            </a:r>
+          </a:p>
+        </p:txBody>
+      </p:sp>
+      <p:cxnSp>
+        <p:nvCxnSpPr>
+          <p:cNvPr id="40" name="Straight Connector 39"/>
+          <p:cNvCxnSpPr/>
+          <p:nvPr/>
+        </p:nvCxnSpPr>
+        <p:spPr>
+          <a:xfrm>
+            <a:off x="2816621" y="7179982"/>
+            <a:ext cx="3188394" cy="1581881"/>
+          </a:xfrm>
+          <a:prstGeom prst="line">
+            <a:avLst/>
+          </a:prstGeom>
+        </p:spPr>
+        <p:style>
+          <a:lnRef idx="1">
+            <a:schemeClr val="accent1"/>
+          </a:lnRef>
+          <a:fillRef idx="0">
+            <a:schemeClr val="accent1"/>
+          </a:fillRef>
+          <a:effectRef idx="0">
+            <a:schemeClr val="accent1"/>
+          </a:effectRef>
+          <a:fontRef idx="minor">
+            <a:schemeClr val="tx1"/>
+          </a:fontRef>
+        </p:style>
+      </p:cxnSp>
+      <p:cxnSp>
+        <p:nvCxnSpPr>
+          <p:cNvPr id="42" name="Straight Connector 41"/>
+          <p:cNvCxnSpPr/>
+          <p:nvPr/>
+        </p:nvCxnSpPr>
+        <p:spPr>
+          <a:xfrm flipH="1">
+            <a:off x="6950764" y="7409695"/>
+            <a:ext cx="2275123" cy="1394038"/>
+          </a:xfrm>
+          <a:prstGeom prst="line">
+            <a:avLst/>
+          </a:prstGeom>
+        </p:spPr>
+        <p:style>
+          <a:lnRef idx="1">
+            <a:schemeClr val="accent1"/>
+          </a:lnRef>
+          <a:fillRef idx="0">
+            <a:schemeClr val="accent1"/>
+          </a:fillRef>
+          <a:effectRef idx="0">
+            <a:schemeClr val="accent1"/>
+          </a:effectRef>
+          <a:fontRef idx="minor">
+            <a:schemeClr val="tx1"/>
+          </a:fontRef>
+        </p:style>
+      </p:cxnSp>
+      <p:cxnSp>
+        <p:nvCxnSpPr>
+          <p:cNvPr id="44" name="Straight Connector 43"/>
+          <p:cNvCxnSpPr/>
+          <p:nvPr/>
+        </p:nvCxnSpPr>
+        <p:spPr>
+          <a:xfrm flipH="1">
+            <a:off x="6443770" y="7309220"/>
+            <a:ext cx="3409" cy="1015917"/>
+          </a:xfrm>
+          <a:prstGeom prst="line">
+            <a:avLst/>
+          </a:prstGeom>
+        </p:spPr>
+        <p:style>
+          <a:lnRef idx="1">
+            <a:schemeClr val="accent1"/>
+          </a:lnRef>
+          <a:fillRef idx="0">
+            <a:schemeClr val="accent1"/>
+          </a:fillRef>
+          <a:effectRef idx="0">
+            <a:schemeClr val="accent1"/>
+          </a:effectRef>
+          <a:fontRef idx="minor">
+            <a:schemeClr val="tx1"/>
+          </a:fontRef>
+        </p:style>
+      </p:cxnSp>
     </p:spTree>
     <p:extLst>
       <p:ext uri="{BB962C8B-B14F-4D97-AF65-F5344CB8AC3E}">
